--- a/Session4/Session4.pptx
+++ b/Session4/Session4.pptx
@@ -5,10 +5,10 @@
     <p:sldMasterId id="2147483696" r:id="rId1"/>
   </p:sldMasterIdLst>
   <p:notesMasterIdLst>
-    <p:notesMasterId r:id="rId17"/>
+    <p:notesMasterId r:id="rId15"/>
   </p:notesMasterIdLst>
   <p:handoutMasterIdLst>
-    <p:handoutMasterId r:id="rId18"/>
+    <p:handoutMasterId r:id="rId16"/>
   </p:handoutMasterIdLst>
   <p:sldIdLst>
     <p:sldId id="267" r:id="rId2"/>
@@ -20,12 +20,10 @@
     <p:sldId id="306" r:id="rId8"/>
     <p:sldId id="307" r:id="rId9"/>
     <p:sldId id="308" r:id="rId10"/>
-    <p:sldId id="309" r:id="rId11"/>
-    <p:sldId id="310" r:id="rId12"/>
-    <p:sldId id="311" r:id="rId13"/>
-    <p:sldId id="312" r:id="rId14"/>
-    <p:sldId id="313" r:id="rId15"/>
-    <p:sldId id="298" r:id="rId16"/>
+    <p:sldId id="311" r:id="rId11"/>
+    <p:sldId id="312" r:id="rId12"/>
+    <p:sldId id="313" r:id="rId13"/>
+    <p:sldId id="298" r:id="rId14"/>
   </p:sldIdLst>
   <p:sldSz cx="12192000" cy="6858000"/>
   <p:notesSz cx="6858000" cy="9144000"/>
@@ -214,7 +212,7 @@
           <a:p>
             <a:fld id="{1F484A52-22AF-4533-9C9B-0AA642EB86AD}" type="datetimeFigureOut">
               <a:rPr lang="en-US" smtClean="0"/>
-              <a:t>7/24/2022</a:t>
+              <a:t>9/1/2022</a:t>
             </a:fld>
             <a:endParaRPr lang="en-US"/>
           </a:p>
@@ -384,7 +382,7 @@
           <a:p>
             <a:fld id="{2E95F55E-E18D-44A4-A501-026151CCBF13}" type="datetimeFigureOut">
               <a:rPr lang="en-US" smtClean="0"/>
-              <a:t>7/24/2022</a:t>
+              <a:t>9/1/2022</a:t>
             </a:fld>
             <a:endParaRPr lang="en-US" dirty="0"/>
           </a:p>
@@ -1293,7 +1291,7 @@
           <a:p>
             <a:fld id="{CA0D6BBA-1C0E-411F-ACFC-368B126EAC19}" type="datetime1">
               <a:rPr lang="en-US" smtClean="0"/>
-              <a:t>7/24/2022</a:t>
+              <a:t>9/1/2022</a:t>
             </a:fld>
             <a:endParaRPr lang="en-US" dirty="0"/>
           </a:p>
@@ -1629,7 +1627,7 @@
           <a:p>
             <a:fld id="{3826FFEE-1F69-4D77-B8E3-669578E8A164}" type="datetime1">
               <a:rPr lang="en-US" smtClean="0"/>
-              <a:t>7/24/2022</a:t>
+              <a:t>9/1/2022</a:t>
             </a:fld>
             <a:endParaRPr lang="en-US" dirty="0"/>
           </a:p>
@@ -1829,7 +1827,7 @@
           <a:p>
             <a:fld id="{736F2DCE-B716-4CDD-9CF1-D1759E86BAA2}" type="datetime1">
               <a:rPr lang="en-US" smtClean="0"/>
-              <a:t>7/24/2022</a:t>
+              <a:t>9/1/2022</a:t>
             </a:fld>
             <a:endParaRPr lang="en-US" dirty="0"/>
           </a:p>
@@ -2103,7 +2101,7 @@
           <a:p>
             <a:fld id="{60A29E9B-CC18-46CA-B998-3355B2C4C085}" type="datetime1">
               <a:rPr lang="en-US" smtClean="0"/>
-              <a:t>7/24/2022</a:t>
+              <a:t>9/1/2022</a:t>
             </a:fld>
             <a:endParaRPr lang="en-US" dirty="0"/>
           </a:p>
@@ -2535,7 +2533,7 @@
           <a:p>
             <a:fld id="{C9C049FF-AFFD-4BBA-9D18-27D76F1011B9}" type="datetime1">
               <a:rPr lang="en-US" smtClean="0"/>
-              <a:t>7/24/2022</a:t>
+              <a:t>9/1/2022</a:t>
             </a:fld>
             <a:endParaRPr lang="en-US" dirty="0"/>
           </a:p>
@@ -3089,7 +3087,7 @@
           <a:p>
             <a:fld id="{AFD4B046-DA4F-4514-96D1-43C644C06876}" type="datetime1">
               <a:rPr lang="en-US" smtClean="0"/>
-              <a:t>7/24/2022</a:t>
+              <a:t>9/1/2022</a:t>
             </a:fld>
             <a:endParaRPr lang="en-US" dirty="0"/>
           </a:p>
@@ -3883,7 +3881,7 @@
           <a:p>
             <a:fld id="{E10306B5-A511-4CD1-8909-2A55A3668426}" type="datetime1">
               <a:rPr lang="en-US" smtClean="0"/>
-              <a:t>7/24/2022</a:t>
+              <a:t>9/1/2022</a:t>
             </a:fld>
             <a:endParaRPr lang="en-US" dirty="0"/>
           </a:p>
@@ -4066,7 +4064,7 @@
           <a:p>
             <a:fld id="{6ACC6D60-69C4-4129-B6CD-6807603D766D}" type="datetime1">
               <a:rPr lang="en-US" smtClean="0"/>
-              <a:t>7/24/2022</a:t>
+              <a:t>9/1/2022</a:t>
             </a:fld>
             <a:endParaRPr lang="en-US" dirty="0"/>
           </a:p>
@@ -4254,7 +4252,7 @@
           <a:p>
             <a:fld id="{47220E26-4AA5-4E43-8E34-59F30FEE954D}" type="datetime1">
               <a:rPr lang="en-US" smtClean="0"/>
-              <a:t>7/24/2022</a:t>
+              <a:t>9/1/2022</a:t>
             </a:fld>
             <a:endParaRPr lang="en-US" dirty="0"/>
           </a:p>
@@ -4433,7 +4431,7 @@
           <a:p>
             <a:fld id="{3E4F53ED-34F7-4FF1-9A3E-CB09C1F310A2}" type="datetime1">
               <a:rPr lang="en-US" smtClean="0"/>
-              <a:t>7/24/2022</a:t>
+              <a:t>9/1/2022</a:t>
             </a:fld>
             <a:endParaRPr lang="en-US" dirty="0"/>
           </a:p>
@@ -4687,7 +4685,7 @@
           <a:p>
             <a:fld id="{24C3A279-3642-42E6-A99D-471D27690417}" type="datetime1">
               <a:rPr lang="en-US" smtClean="0"/>
-              <a:t>7/24/2022</a:t>
+              <a:t>9/1/2022</a:t>
             </a:fld>
             <a:endParaRPr lang="en-US" dirty="0"/>
           </a:p>
@@ -4928,7 +4926,7 @@
           <a:p>
             <a:fld id="{4BFCDD01-8F2C-4BF8-A2E9-C3FD9A582A4C}" type="datetime1">
               <a:rPr lang="en-US" smtClean="0"/>
-              <a:t>7/24/2022</a:t>
+              <a:t>9/1/2022</a:t>
             </a:fld>
             <a:endParaRPr lang="en-US" dirty="0"/>
           </a:p>
@@ -5317,7 +5315,7 @@
           <a:p>
             <a:fld id="{D54705CB-000A-4404-B05F-B7FB14FA29AF}" type="datetime1">
               <a:rPr lang="en-US" smtClean="0"/>
-              <a:t>7/24/2022</a:t>
+              <a:t>9/1/2022</a:t>
             </a:fld>
             <a:endParaRPr lang="en-US" dirty="0"/>
           </a:p>
@@ -5439,7 +5437,7 @@
           <a:p>
             <a:fld id="{3426A87B-66D4-4339-AD46-B9C0E00CAE08}" type="datetime1">
               <a:rPr lang="en-US" smtClean="0"/>
-              <a:t>7/24/2022</a:t>
+              <a:t>9/1/2022</a:t>
             </a:fld>
             <a:endParaRPr lang="en-US" dirty="0"/>
           </a:p>
@@ -5538,7 +5536,7 @@
           <a:p>
             <a:fld id="{AB006065-A2DD-4823-AD95-D0625BE9CD11}" type="datetime1">
               <a:rPr lang="en-US" smtClean="0"/>
-              <a:t>7/24/2022</a:t>
+              <a:t>9/1/2022</a:t>
             </a:fld>
             <a:endParaRPr lang="en-US" dirty="0"/>
           </a:p>
@@ -5795,7 +5793,7 @@
           <a:p>
             <a:fld id="{8A4C291F-AF14-48AC-A76C-BAD5579F84F2}" type="datetime1">
               <a:rPr lang="en-US" smtClean="0"/>
-              <a:t>7/24/2022</a:t>
+              <a:t>9/1/2022</a:t>
             </a:fld>
             <a:endParaRPr lang="en-US" dirty="0"/>
           </a:p>
@@ -6075,7 +6073,7 @@
           <a:p>
             <a:fld id="{94570055-7430-487C-A065-00C1F9A96DC8}" type="datetime1">
               <a:rPr lang="en-US" smtClean="0"/>
-              <a:t>7/24/2022</a:t>
+              <a:t>9/1/2022</a:t>
             </a:fld>
             <a:endParaRPr lang="en-US" dirty="0"/>
           </a:p>
@@ -6482,7 +6480,7 @@
           <a:p>
             <a:fld id="{0EA81A4B-17DB-42FC-BAB2-67D6C168DE4C}" type="datetime1">
               <a:rPr lang="en-US" smtClean="0"/>
-              <a:t>7/24/2022</a:t>
+              <a:t>9/1/2022</a:t>
             </a:fld>
             <a:endParaRPr lang="en-US" dirty="0"/>
           </a:p>
@@ -7328,12 +7326,6 @@
               </a:rPr>
               <a:t>Advanced CNN &amp; TL</a:t>
             </a:r>
-            <a:endParaRPr lang="en-US" sz="5500" cap="none" dirty="0" smtClean="0">
-              <a:solidFill>
-                <a:srgbClr val="FFFF00"/>
-              </a:solidFill>
-              <a:latin typeface="Barlow Condensed Black" panose="00000A06000000000000" pitchFamily="2" charset="0"/>
-            </a:endParaRPr>
           </a:p>
         </p:txBody>
       </p:sp>
@@ -7442,7 +7434,7 @@
           <a:p>
             <a:r>
               <a:rPr lang="en-US" dirty="0" smtClean="0"/>
-              <a:t>LeNet-5</a:t>
+              <a:t>VGG19 </a:t>
             </a:r>
             <a:endParaRPr lang="en-US" dirty="0"/>
           </a:p>
@@ -7450,7 +7442,7 @@
       </p:sp>
       <p:pic>
         <p:nvPicPr>
-          <p:cNvPr id="5" name="Picture 4"/>
+          <p:cNvPr id="7" name="Picture 6"/>
           <p:cNvPicPr>
             <a:picLocks noChangeAspect="1"/>
           </p:cNvPicPr>
@@ -7464,41 +7456,17 @@
         </p:blipFill>
         <p:spPr>
           <a:xfrm>
-            <a:off x="246888" y="1235774"/>
-            <a:ext cx="8659368" cy="4296346"/>
+            <a:off x="246889" y="1971877"/>
+            <a:ext cx="10396881" cy="2973823"/>
           </a:xfrm>
           <a:prstGeom prst="rect">
             <a:avLst/>
           </a:prstGeom>
         </p:spPr>
       </p:pic>
-      <p:pic>
-        <p:nvPicPr>
-          <p:cNvPr id="6" name="Picture 5"/>
-          <p:cNvPicPr>
-            <a:picLocks noChangeAspect="1"/>
-          </p:cNvPicPr>
-          <p:nvPr/>
-        </p:nvPicPr>
-        <p:blipFill>
-          <a:blip r:embed="rId3"/>
-          <a:stretch>
-            <a:fillRect/>
-          </a:stretch>
-        </p:blipFill>
-        <p:spPr>
-          <a:xfrm>
-            <a:off x="5298071" y="3930220"/>
-            <a:ext cx="6321001" cy="1601900"/>
-          </a:xfrm>
-          <a:prstGeom prst="rect">
-            <a:avLst/>
-          </a:prstGeom>
-        </p:spPr>
-      </p:pic>
-      <p:sp>
-        <p:nvSpPr>
-          <p:cNvPr id="7" name="Footer Placeholder 6"/>
+      <p:sp>
+        <p:nvSpPr>
+          <p:cNvPr id="5" name="Footer Placeholder 4"/>
           <p:cNvSpPr>
             <a:spLocks noGrp="1"/>
           </p:cNvSpPr>
@@ -7521,7 +7489,7 @@
       </p:sp>
       <p:sp>
         <p:nvSpPr>
-          <p:cNvPr id="8" name="Slide Number Placeholder 7"/>
+          <p:cNvPr id="6" name="Slide Number Placeholder 5"/>
           <p:cNvSpPr>
             <a:spLocks noGrp="1"/>
           </p:cNvSpPr>
@@ -7545,7 +7513,7 @@
     </p:spTree>
     <p:extLst>
       <p:ext uri="{BB962C8B-B14F-4D97-AF65-F5344CB8AC3E}">
-        <p14:creationId xmlns:p14="http://schemas.microsoft.com/office/powerpoint/2010/main" val="787086912"/>
+        <p14:creationId xmlns:p14="http://schemas.microsoft.com/office/powerpoint/2010/main" val="3616665558"/>
       </p:ext>
     </p:extLst>
   </p:cSld>
@@ -7600,12 +7568,8 @@
           <a:lstStyle/>
           <a:p>
             <a:r>
-              <a:rPr lang="en-US" dirty="0" err="1"/>
-              <a:t>GoogLeNet</a:t>
-            </a:r>
-            <a:r>
               <a:rPr lang="en-US" dirty="0"/>
-              <a:t> (Inception)</a:t>
+              <a:t>ResNet50 </a:t>
             </a:r>
           </a:p>
         </p:txBody>
@@ -7627,7 +7591,7 @@
         <p:spPr>
           <a:xfrm>
             <a:off x="246888" y="1362277"/>
-            <a:ext cx="10396882" cy="4252139"/>
+            <a:ext cx="10396882" cy="4219373"/>
           </a:xfrm>
           <a:prstGeom prst="rect">
             <a:avLst/>
@@ -7683,7 +7647,7 @@
     </p:spTree>
     <p:extLst>
       <p:ext uri="{BB962C8B-B14F-4D97-AF65-F5344CB8AC3E}">
-        <p14:creationId xmlns:p14="http://schemas.microsoft.com/office/powerpoint/2010/main" val="1376050421"/>
+        <p14:creationId xmlns:p14="http://schemas.microsoft.com/office/powerpoint/2010/main" val="2682669275"/>
       </p:ext>
     </p:extLst>
   </p:cSld>
@@ -7738,275 +7702,6 @@
           <a:lstStyle/>
           <a:p>
             <a:r>
-              <a:rPr lang="en-US" dirty="0" smtClean="0"/>
-              <a:t>VGG19 </a:t>
-            </a:r>
-            <a:endParaRPr lang="en-US" dirty="0"/>
-          </a:p>
-        </p:txBody>
-      </p:sp>
-      <p:pic>
-        <p:nvPicPr>
-          <p:cNvPr id="7" name="Picture 6"/>
-          <p:cNvPicPr>
-            <a:picLocks noChangeAspect="1"/>
-          </p:cNvPicPr>
-          <p:nvPr/>
-        </p:nvPicPr>
-        <p:blipFill>
-          <a:blip r:embed="rId2"/>
-          <a:stretch>
-            <a:fillRect/>
-          </a:stretch>
-        </p:blipFill>
-        <p:spPr>
-          <a:xfrm>
-            <a:off x="246889" y="1971877"/>
-            <a:ext cx="10396881" cy="2973823"/>
-          </a:xfrm>
-          <a:prstGeom prst="rect">
-            <a:avLst/>
-          </a:prstGeom>
-        </p:spPr>
-      </p:pic>
-      <p:sp>
-        <p:nvSpPr>
-          <p:cNvPr id="5" name="Footer Placeholder 4"/>
-          <p:cNvSpPr>
-            <a:spLocks noGrp="1"/>
-          </p:cNvSpPr>
-          <p:nvPr>
-            <p:ph type="ftr" sz="quarter" idx="11"/>
-          </p:nvPr>
-        </p:nvSpPr>
-        <p:spPr/>
-        <p:txBody>
-          <a:bodyPr/>
-          <a:lstStyle/>
-          <a:p>
-            <a:r>
-              <a:rPr lang="en-US" smtClean="0"/>
-              <a:t>H.Fakher</a:t>
-            </a:r>
-            <a:endParaRPr lang="en-US" dirty="0"/>
-          </a:p>
-        </p:txBody>
-      </p:sp>
-      <p:sp>
-        <p:nvSpPr>
-          <p:cNvPr id="6" name="Slide Number Placeholder 5"/>
-          <p:cNvSpPr>
-            <a:spLocks noGrp="1"/>
-          </p:cNvSpPr>
-          <p:nvPr>
-            <p:ph type="sldNum" sz="quarter" idx="12"/>
-          </p:nvPr>
-        </p:nvSpPr>
-        <p:spPr/>
-        <p:txBody>
-          <a:bodyPr/>
-          <a:lstStyle/>
-          <a:p>
-            <a:fld id="{3680D392-614A-43D7-BA76-AB1FFE045AF8}" type="slidenum">
-              <a:rPr lang="en-US" smtClean="0"/>
-              <a:t>12</a:t>
-            </a:fld>
-            <a:endParaRPr lang="en-US" dirty="0"/>
-          </a:p>
-        </p:txBody>
-      </p:sp>
-    </p:spTree>
-    <p:extLst>
-      <p:ext uri="{BB962C8B-B14F-4D97-AF65-F5344CB8AC3E}">
-        <p14:creationId xmlns:p14="http://schemas.microsoft.com/office/powerpoint/2010/main" val="3616665558"/>
-      </p:ext>
-    </p:extLst>
-  </p:cSld>
-  <p:clrMapOvr>
-    <a:masterClrMapping/>
-  </p:clrMapOvr>
-  <p:timing>
-    <p:tnLst>
-      <p:par>
-        <p:cTn id="1" dur="indefinite" restart="never" nodeType="tmRoot"/>
-      </p:par>
-    </p:tnLst>
-  </p:timing>
-</p:sld>
-</file>
-
-<file path=ppt/slides/slide13.xml><?xml version="1.0" encoding="utf-8"?>
-<p:sld xmlns:a="http://schemas.openxmlformats.org/drawingml/2006/main" xmlns:r="http://schemas.openxmlformats.org/officeDocument/2006/relationships" xmlns:p="http://schemas.openxmlformats.org/presentationml/2006/main">
-  <p:cSld>
-    <p:spTree>
-      <p:nvGrpSpPr>
-        <p:cNvPr id="1" name=""/>
-        <p:cNvGrpSpPr/>
-        <p:nvPr/>
-      </p:nvGrpSpPr>
-      <p:grpSpPr>
-        <a:xfrm>
-          <a:off x="0" y="0"/>
-          <a:ext cx="0" cy="0"/>
-          <a:chOff x="0" y="0"/>
-          <a:chExt cx="0" cy="0"/>
-        </a:xfrm>
-      </p:grpSpPr>
-      <p:sp>
-        <p:nvSpPr>
-          <p:cNvPr id="2" name="Title 1"/>
-          <p:cNvSpPr>
-            <a:spLocks noGrp="1"/>
-          </p:cNvSpPr>
-          <p:nvPr>
-            <p:ph type="title"/>
-          </p:nvPr>
-        </p:nvSpPr>
-        <p:spPr>
-          <a:xfrm>
-            <a:off x="246888" y="210312"/>
-            <a:ext cx="10396882" cy="1151965"/>
-          </a:xfrm>
-        </p:spPr>
-        <p:txBody>
-          <a:bodyPr/>
-          <a:lstStyle/>
-          <a:p>
-            <a:r>
-              <a:rPr lang="en-US" dirty="0"/>
-              <a:t>ResNet50 </a:t>
-            </a:r>
-          </a:p>
-        </p:txBody>
-      </p:sp>
-      <p:pic>
-        <p:nvPicPr>
-          <p:cNvPr id="3" name="Picture 2"/>
-          <p:cNvPicPr>
-            <a:picLocks noChangeAspect="1"/>
-          </p:cNvPicPr>
-          <p:nvPr/>
-        </p:nvPicPr>
-        <p:blipFill>
-          <a:blip r:embed="rId2"/>
-          <a:stretch>
-            <a:fillRect/>
-          </a:stretch>
-        </p:blipFill>
-        <p:spPr>
-          <a:xfrm>
-            <a:off x="246888" y="1362277"/>
-            <a:ext cx="10396882" cy="4219373"/>
-          </a:xfrm>
-          <a:prstGeom prst="rect">
-            <a:avLst/>
-          </a:prstGeom>
-        </p:spPr>
-      </p:pic>
-      <p:sp>
-        <p:nvSpPr>
-          <p:cNvPr id="6" name="Footer Placeholder 5"/>
-          <p:cNvSpPr>
-            <a:spLocks noGrp="1"/>
-          </p:cNvSpPr>
-          <p:nvPr>
-            <p:ph type="ftr" sz="quarter" idx="11"/>
-          </p:nvPr>
-        </p:nvSpPr>
-        <p:spPr/>
-        <p:txBody>
-          <a:bodyPr/>
-          <a:lstStyle/>
-          <a:p>
-            <a:r>
-              <a:rPr lang="en-US" smtClean="0"/>
-              <a:t>H.Fakher</a:t>
-            </a:r>
-            <a:endParaRPr lang="en-US" dirty="0"/>
-          </a:p>
-        </p:txBody>
-      </p:sp>
-      <p:sp>
-        <p:nvSpPr>
-          <p:cNvPr id="7" name="Slide Number Placeholder 6"/>
-          <p:cNvSpPr>
-            <a:spLocks noGrp="1"/>
-          </p:cNvSpPr>
-          <p:nvPr>
-            <p:ph type="sldNum" sz="quarter" idx="12"/>
-          </p:nvPr>
-        </p:nvSpPr>
-        <p:spPr/>
-        <p:txBody>
-          <a:bodyPr/>
-          <a:lstStyle/>
-          <a:p>
-            <a:fld id="{3680D392-614A-43D7-BA76-AB1FFE045AF8}" type="slidenum">
-              <a:rPr lang="en-US" smtClean="0"/>
-              <a:t>13</a:t>
-            </a:fld>
-            <a:endParaRPr lang="en-US" dirty="0"/>
-          </a:p>
-        </p:txBody>
-      </p:sp>
-    </p:spTree>
-    <p:extLst>
-      <p:ext uri="{BB962C8B-B14F-4D97-AF65-F5344CB8AC3E}">
-        <p14:creationId xmlns:p14="http://schemas.microsoft.com/office/powerpoint/2010/main" val="2682669275"/>
-      </p:ext>
-    </p:extLst>
-  </p:cSld>
-  <p:clrMapOvr>
-    <a:masterClrMapping/>
-  </p:clrMapOvr>
-  <p:timing>
-    <p:tnLst>
-      <p:par>
-        <p:cTn id="1" dur="indefinite" restart="never" nodeType="tmRoot"/>
-      </p:par>
-    </p:tnLst>
-  </p:timing>
-</p:sld>
-</file>
-
-<file path=ppt/slides/slide14.xml><?xml version="1.0" encoding="utf-8"?>
-<p:sld xmlns:a="http://schemas.openxmlformats.org/drawingml/2006/main" xmlns:r="http://schemas.openxmlformats.org/officeDocument/2006/relationships" xmlns:p="http://schemas.openxmlformats.org/presentationml/2006/main">
-  <p:cSld>
-    <p:spTree>
-      <p:nvGrpSpPr>
-        <p:cNvPr id="1" name=""/>
-        <p:cNvGrpSpPr/>
-        <p:nvPr/>
-      </p:nvGrpSpPr>
-      <p:grpSpPr>
-        <a:xfrm>
-          <a:off x="0" y="0"/>
-          <a:ext cx="0" cy="0"/>
-          <a:chOff x="0" y="0"/>
-          <a:chExt cx="0" cy="0"/>
-        </a:xfrm>
-      </p:grpSpPr>
-      <p:sp>
-        <p:nvSpPr>
-          <p:cNvPr id="2" name="Title 1"/>
-          <p:cNvSpPr>
-            <a:spLocks noGrp="1"/>
-          </p:cNvSpPr>
-          <p:nvPr>
-            <p:ph type="title"/>
-          </p:nvPr>
-        </p:nvSpPr>
-        <p:spPr>
-          <a:xfrm>
-            <a:off x="246888" y="210312"/>
-            <a:ext cx="10396882" cy="1151965"/>
-          </a:xfrm>
-        </p:spPr>
-        <p:txBody>
-          <a:bodyPr/>
-          <a:lstStyle/>
-          <a:p>
-            <a:r>
               <a:rPr lang="en-US" dirty="0"/>
               <a:t>InceptionV3 </a:t>
             </a:r>
@@ -8077,7 +7772,7 @@
           <a:p>
             <a:fld id="{3680D392-614A-43D7-BA76-AB1FFE045AF8}" type="slidenum">
               <a:rPr lang="en-US" smtClean="0"/>
-              <a:t>14</a:t>
+              <a:t>12</a:t>
             </a:fld>
             <a:endParaRPr lang="en-US" dirty="0"/>
           </a:p>
@@ -8103,7 +7798,7 @@
 </p:sld>
 </file>
 
-<file path=ppt/slides/slide15.xml><?xml version="1.0" encoding="utf-8"?>
+<file path=ppt/slides/slide13.xml><?xml version="1.0" encoding="utf-8"?>
 <p:sld xmlns:a="http://schemas.openxmlformats.org/drawingml/2006/main" xmlns:r="http://schemas.openxmlformats.org/officeDocument/2006/relationships" xmlns:p="http://schemas.openxmlformats.org/presentationml/2006/main">
   <p:cSld>
     <p:spTree>
@@ -8200,14 +7895,10 @@
           <a:lstStyle/>
           <a:p>
             <a:r>
-              <a:rPr lang="en-US" dirty="0"/>
-              <a:t>Complex </a:t>
-            </a:r>
-            <a:r>
-              <a:rPr lang="en-US" dirty="0" smtClean="0"/>
-              <a:t>Models CNN</a:t>
-            </a:r>
-            <a:endParaRPr lang="en-US" dirty="0"/>
+              <a:rPr lang="en-US" cap="none" dirty="0" smtClean="0"/>
+              <a:t>Complex Models CNN</a:t>
+            </a:r>
+            <a:endParaRPr lang="en-US" cap="none" dirty="0"/>
           </a:p>
         </p:txBody>
       </p:sp>
@@ -8849,7 +8540,7 @@
           <a:lstStyle/>
           <a:p>
             <a:r>
-              <a:rPr lang="en-US" smtClean="0"/>
+              <a:rPr lang="en-US" dirty="0" err="1" smtClean="0"/>
               <a:t>H.Fakher</a:t>
             </a:r>
             <a:endParaRPr lang="en-US" dirty="0"/>
@@ -8937,14 +8628,10 @@
           <a:lstStyle/>
           <a:p>
             <a:r>
-              <a:rPr lang="en-US" dirty="0"/>
-              <a:t>Complex </a:t>
-            </a:r>
-            <a:r>
-              <a:rPr lang="en-US" dirty="0" smtClean="0"/>
-              <a:t>Models CNN</a:t>
-            </a:r>
-            <a:endParaRPr lang="en-US" dirty="0"/>
+              <a:rPr lang="en-US" cap="none" dirty="0" smtClean="0"/>
+              <a:t>Complex Models CNN</a:t>
+            </a:r>
+            <a:endParaRPr lang="en-US" cap="none" dirty="0"/>
           </a:p>
         </p:txBody>
       </p:sp>
@@ -10134,14 +9821,18 @@
           <a:lstStyle/>
           <a:p>
             <a:r>
-              <a:rPr lang="en-US" dirty="0"/>
-              <a:t>What Is Transfer Learning? </a:t>
-            </a:r>
-            <a:r>
-              <a:rPr lang="en-US" dirty="0" smtClean="0"/>
-              <a:t> (TL)</a:t>
-            </a:r>
-            <a:endParaRPr lang="en-US" dirty="0"/>
+              <a:rPr lang="en-US" cap="none" dirty="0" smtClean="0"/>
+              <a:t>What Is Transfer Learning?  (</a:t>
+            </a:r>
+            <a:r>
+              <a:rPr lang="en-US" cap="none" dirty="0" err="1" smtClean="0"/>
+              <a:t>Tl</a:t>
+            </a:r>
+            <a:r>
+              <a:rPr lang="en-US" cap="none" dirty="0" smtClean="0"/>
+              <a:t>)</a:t>
+            </a:r>
+            <a:endParaRPr lang="en-US" cap="none" dirty="0"/>
           </a:p>
         </p:txBody>
       </p:sp>
@@ -10641,10 +10332,10 @@
           <a:lstStyle/>
           <a:p>
             <a:r>
-              <a:rPr lang="en-US" dirty="0" smtClean="0"/>
-              <a:t>How call transfer learning?</a:t>
-            </a:r>
-            <a:endParaRPr lang="en-US" dirty="0"/>
+              <a:rPr lang="en-US" cap="none" dirty="0" smtClean="0"/>
+              <a:t>How Call Transfer Learning?</a:t>
+            </a:r>
+            <a:endParaRPr lang="en-US" cap="none" dirty="0"/>
           </a:p>
         </p:txBody>
       </p:sp>
@@ -11156,14 +10847,10 @@
           <a:lstStyle/>
           <a:p>
             <a:r>
-              <a:rPr lang="en-US" dirty="0"/>
-              <a:t>feature extraction </a:t>
-            </a:r>
-            <a:r>
-              <a:rPr lang="en-US" dirty="0" smtClean="0"/>
-              <a:t>mechanism</a:t>
-            </a:r>
-            <a:endParaRPr lang="en-US" dirty="0"/>
+              <a:rPr lang="en-US" cap="none" dirty="0" smtClean="0"/>
+              <a:t>Feature Extraction Mechanism</a:t>
+            </a:r>
+            <a:endParaRPr lang="en-US" cap="none" dirty="0"/>
           </a:p>
         </p:txBody>
       </p:sp>
@@ -11991,9 +11678,10 @@
           <a:lstStyle/>
           <a:p>
             <a:r>
-              <a:rPr lang="en-US" dirty="0"/>
-              <a:t>train partially</a:t>
-            </a:r>
+              <a:rPr lang="en-US" cap="none" dirty="0" smtClean="0"/>
+              <a:t>Train Partially</a:t>
+            </a:r>
+            <a:endParaRPr lang="en-US" cap="none" dirty="0"/>
           </a:p>
         </p:txBody>
       </p:sp>
